--- a/template/ppt_template0.pptx
+++ b/template/ppt_template0.pptx
@@ -3860,7 +3860,15 @@
         <p:spPr/>
         <p:txBody>
           <a:bodyPr/>
-          <a:lstStyle/>
+          <a:lstStyle>
+            <a:lvl1pPr>
+              <a:defRPr b="1">
+                <a:solidFill>
+                  <a:srgbClr val="C00000"/>
+                </a:solidFill>
+              </a:defRPr>
+            </a:lvl1pPr>
+          </a:lstStyle>
           <a:p>
             <a:r>
               <a:rPr lang="zh-CN" altLang="en-US" smtClean="0"/>
@@ -3882,8 +3890,8 @@
         </p:nvSpPr>
         <p:spPr>
           <a:xfrm>
-            <a:off x="609599" y="1600201"/>
-            <a:ext cx="5411788" cy="4525963"/>
+            <a:off x="609600" y="1600200"/>
+            <a:ext cx="5412105" cy="3629660"/>
           </a:xfrm>
         </p:spPr>
         <p:txBody>
@@ -3971,8 +3979,8 @@
         </p:nvSpPr>
         <p:spPr>
           <a:xfrm>
-            <a:off x="6173788" y="1600201"/>
-            <a:ext cx="5413375" cy="4525963"/>
+            <a:off x="6174105" y="1600200"/>
+            <a:ext cx="5413375" cy="3629660"/>
           </a:xfrm>
         </p:spPr>
         <p:txBody>
@@ -4045,6 +4053,184 @@
               <a:t>第五级</a:t>
             </a:r>
             <a:endParaRPr lang="zh-CN" altLang="en-US"/>
+          </a:p>
+        </p:txBody>
+      </p:sp>
+      <p:sp>
+        <p:nvSpPr>
+          <p:cNvPr id="5" name="标题 1"/>
+          <p:cNvSpPr>
+            <a:spLocks noGrp="1"/>
+          </p:cNvSpPr>
+          <p:nvPr/>
+        </p:nvSpPr>
+        <p:spPr>
+          <a:xfrm>
+            <a:off x="609600" y="5372100"/>
+            <a:ext cx="10978515" cy="635000"/>
+          </a:xfrm>
+          <a:prstGeom prst="rect">
+            <a:avLst/>
+          </a:prstGeom>
+          <a:noFill/>
+          <a:ln>
+            <a:noFill/>
+          </a:ln>
+        </p:spPr>
+        <p:txBody>
+          <a:bodyPr vert="horz" wrap="square" lIns="91428" tIns="45714" rIns="91428" bIns="45714" numCol="1" anchor="ctr" anchorCtr="0" compatLnSpc="1"/>
+          <a:lstStyle>
+            <a:lvl1pPr algn="l" rtl="0" fontAlgn="base">
+              <a:spcBef>
+                <a:spcPct val="0"/>
+              </a:spcBef>
+              <a:spcAft>
+                <a:spcPct val="0"/>
+              </a:spcAft>
+              <a:defRPr sz="2400">
+                <a:solidFill>
+                  <a:schemeClr val="bg1"/>
+                </a:solidFill>
+                <a:latin typeface="+mj-lt"/>
+                <a:ea typeface="+mj-ea"/>
+                <a:cs typeface="+mj-cs"/>
+              </a:defRPr>
+            </a:lvl1pPr>
+            <a:lvl2pPr algn="l" rtl="0" fontAlgn="base">
+              <a:spcBef>
+                <a:spcPct val="0"/>
+              </a:spcBef>
+              <a:spcAft>
+                <a:spcPct val="0"/>
+              </a:spcAft>
+              <a:defRPr sz="2400">
+                <a:solidFill>
+                  <a:schemeClr val="tx2"/>
+                </a:solidFill>
+                <a:latin typeface="Arial" panose="020B0604020202020204" pitchFamily="34" charset="0"/>
+                <a:ea typeface="微软雅黑" panose="020B0503020204020204" pitchFamily="34" charset="-122"/>
+              </a:defRPr>
+            </a:lvl2pPr>
+            <a:lvl3pPr algn="l" rtl="0" fontAlgn="base">
+              <a:spcBef>
+                <a:spcPct val="0"/>
+              </a:spcBef>
+              <a:spcAft>
+                <a:spcPct val="0"/>
+              </a:spcAft>
+              <a:defRPr sz="2400">
+                <a:solidFill>
+                  <a:schemeClr val="tx2"/>
+                </a:solidFill>
+                <a:latin typeface="Arial" panose="020B0604020202020204" pitchFamily="34" charset="0"/>
+                <a:ea typeface="微软雅黑" panose="020B0503020204020204" pitchFamily="34" charset="-122"/>
+              </a:defRPr>
+            </a:lvl3pPr>
+            <a:lvl4pPr algn="l" rtl="0" fontAlgn="base">
+              <a:spcBef>
+                <a:spcPct val="0"/>
+              </a:spcBef>
+              <a:spcAft>
+                <a:spcPct val="0"/>
+              </a:spcAft>
+              <a:defRPr sz="2400">
+                <a:solidFill>
+                  <a:schemeClr val="tx2"/>
+                </a:solidFill>
+                <a:latin typeface="Arial" panose="020B0604020202020204" pitchFamily="34" charset="0"/>
+                <a:ea typeface="微软雅黑" panose="020B0503020204020204" pitchFamily="34" charset="-122"/>
+              </a:defRPr>
+            </a:lvl4pPr>
+            <a:lvl5pPr algn="l" rtl="0" fontAlgn="base">
+              <a:spcBef>
+                <a:spcPct val="0"/>
+              </a:spcBef>
+              <a:spcAft>
+                <a:spcPct val="0"/>
+              </a:spcAft>
+              <a:defRPr sz="2400">
+                <a:solidFill>
+                  <a:schemeClr val="tx2"/>
+                </a:solidFill>
+                <a:latin typeface="Arial" panose="020B0604020202020204" pitchFamily="34" charset="0"/>
+                <a:ea typeface="微软雅黑" panose="020B0503020204020204" pitchFamily="34" charset="-122"/>
+              </a:defRPr>
+            </a:lvl5pPr>
+            <a:lvl6pPr marL="457200" algn="l" rtl="0" fontAlgn="base">
+              <a:spcBef>
+                <a:spcPct val="0"/>
+              </a:spcBef>
+              <a:spcAft>
+                <a:spcPct val="0"/>
+              </a:spcAft>
+              <a:defRPr sz="2400">
+                <a:solidFill>
+                  <a:schemeClr val="tx2"/>
+                </a:solidFill>
+                <a:latin typeface="Arial" panose="020B0604020202020204" pitchFamily="34" charset="0"/>
+                <a:ea typeface="微软雅黑" panose="020B0503020204020204" pitchFamily="34" charset="-122"/>
+              </a:defRPr>
+            </a:lvl6pPr>
+            <a:lvl7pPr marL="914400" algn="l" rtl="0" fontAlgn="base">
+              <a:spcBef>
+                <a:spcPct val="0"/>
+              </a:spcBef>
+              <a:spcAft>
+                <a:spcPct val="0"/>
+              </a:spcAft>
+              <a:defRPr sz="2400">
+                <a:solidFill>
+                  <a:schemeClr val="tx2"/>
+                </a:solidFill>
+                <a:latin typeface="Arial" panose="020B0604020202020204" pitchFamily="34" charset="0"/>
+                <a:ea typeface="微软雅黑" panose="020B0503020204020204" pitchFamily="34" charset="-122"/>
+              </a:defRPr>
+            </a:lvl7pPr>
+            <a:lvl8pPr marL="1371600" algn="l" rtl="0" fontAlgn="base">
+              <a:spcBef>
+                <a:spcPct val="0"/>
+              </a:spcBef>
+              <a:spcAft>
+                <a:spcPct val="0"/>
+              </a:spcAft>
+              <a:defRPr sz="2400">
+                <a:solidFill>
+                  <a:schemeClr val="tx2"/>
+                </a:solidFill>
+                <a:latin typeface="Arial" panose="020B0604020202020204" pitchFamily="34" charset="0"/>
+                <a:ea typeface="微软雅黑" panose="020B0503020204020204" pitchFamily="34" charset="-122"/>
+              </a:defRPr>
+            </a:lvl8pPr>
+            <a:lvl9pPr marL="1828800" algn="l" rtl="0" fontAlgn="base">
+              <a:spcBef>
+                <a:spcPct val="0"/>
+              </a:spcBef>
+              <a:spcAft>
+                <a:spcPct val="0"/>
+              </a:spcAft>
+              <a:defRPr sz="2400">
+                <a:solidFill>
+                  <a:schemeClr val="tx2"/>
+                </a:solidFill>
+                <a:latin typeface="Arial" panose="020B0604020202020204" pitchFamily="34" charset="0"/>
+                <a:ea typeface="微软雅黑" panose="020B0503020204020204" pitchFamily="34" charset="-122"/>
+              </a:defRPr>
+            </a:lvl9pPr>
+          </a:lstStyle>
+          <a:p>
+            <a:r>
+              <a:rPr lang="zh-CN" altLang="en-US" b="1" smtClean="0">
+                <a:solidFill>
+                  <a:schemeClr val="tx2"/>
+                </a:solidFill>
+              </a:rPr>
+              <a:t>总结：</a:t>
+            </a:r>
+            <a:endParaRPr lang="zh-CN" altLang="en-US" b="1" smtClean="0">
+              <a:solidFill>
+                <a:schemeClr val="tx2"/>
+              </a:solidFill>
+            </a:endParaRPr>
           </a:p>
         </p:txBody>
       </p:sp>
